--- a/My Project Archive/CISC3003-Project-Assignment.pptx
+++ b/My Project Archive/CISC3003-Project-Assignment.pptx
@@ -12,7 +12,10 @@
     <p:sldId id="260" r:id="rId6"/>
     <p:sldId id="261" r:id="rId7"/>
     <p:sldId id="262" r:id="rId8"/>
-    <p:sldId id="263" r:id="rId9"/>
+    <p:sldId id="264" r:id="rId9"/>
+    <p:sldId id="265" r:id="rId10"/>
+    <p:sldId id="266" r:id="rId11"/>
+    <p:sldId id="263" r:id="rId12"/>
   </p:sldIdLst>
   <p:sldSz cx="12192000" cy="6858000"/>
   <p:notesSz cx="6858000" cy="9144000"/>
@@ -741,7 +744,7 @@
           <a:p>
             <a:fld id="{FBCAE8AE-5189-4069-994C-BD3F2738BBD8}" type="datetimeFigureOut">
               <a:rPr lang="en-GB" smtClean="0"/>
-              <a:t>01/05/2024</a:t>
+              <a:t>06/05/2024</a:t>
             </a:fld>
             <a:endParaRPr lang="en-GB"/>
           </a:p>
@@ -1039,7 +1042,7 @@
           <a:p>
             <a:fld id="{FBCAE8AE-5189-4069-994C-BD3F2738BBD8}" type="datetimeFigureOut">
               <a:rPr lang="en-GB" smtClean="0"/>
-              <a:t>01/05/2024</a:t>
+              <a:t>06/05/2024</a:t>
             </a:fld>
             <a:endParaRPr lang="en-GB"/>
           </a:p>
@@ -1231,7 +1234,7 @@
           <a:p>
             <a:fld id="{FBCAE8AE-5189-4069-994C-BD3F2738BBD8}" type="datetimeFigureOut">
               <a:rPr lang="en-GB" smtClean="0"/>
-              <a:t>01/05/2024</a:t>
+              <a:t>06/05/2024</a:t>
             </a:fld>
             <a:endParaRPr lang="en-GB"/>
           </a:p>
@@ -1492,7 +1495,7 @@
           <a:p>
             <a:fld id="{FBCAE8AE-5189-4069-994C-BD3F2738BBD8}" type="datetimeFigureOut">
               <a:rPr lang="en-GB" smtClean="0"/>
-              <a:t>01/05/2024</a:t>
+              <a:t>06/05/2024</a:t>
             </a:fld>
             <a:endParaRPr lang="en-GB"/>
           </a:p>
@@ -1916,7 +1919,7 @@
           <a:p>
             <a:fld id="{FBCAE8AE-5189-4069-994C-BD3F2738BBD8}" type="datetimeFigureOut">
               <a:rPr lang="en-GB" smtClean="0"/>
-              <a:t>01/05/2024</a:t>
+              <a:t>06/05/2024</a:t>
             </a:fld>
             <a:endParaRPr lang="en-GB"/>
           </a:p>
@@ -2453,7 +2456,7 @@
           <a:p>
             <a:fld id="{FBCAE8AE-5189-4069-994C-BD3F2738BBD8}" type="datetimeFigureOut">
               <a:rPr lang="en-GB" smtClean="0"/>
-              <a:t>01/05/2024</a:t>
+              <a:t>06/05/2024</a:t>
             </a:fld>
             <a:endParaRPr lang="en-GB"/>
           </a:p>
@@ -3317,7 +3320,7 @@
           <a:p>
             <a:fld id="{FBCAE8AE-5189-4069-994C-BD3F2738BBD8}" type="datetimeFigureOut">
               <a:rPr lang="en-GB" smtClean="0"/>
-              <a:t>01/05/2024</a:t>
+              <a:t>06/05/2024</a:t>
             </a:fld>
             <a:endParaRPr lang="en-GB"/>
           </a:p>
@@ -3487,7 +3490,7 @@
           <a:p>
             <a:fld id="{FBCAE8AE-5189-4069-994C-BD3F2738BBD8}" type="datetimeFigureOut">
               <a:rPr lang="en-GB" smtClean="0"/>
-              <a:t>01/05/2024</a:t>
+              <a:t>06/05/2024</a:t>
             </a:fld>
             <a:endParaRPr lang="en-GB"/>
           </a:p>
@@ -3671,7 +3674,7 @@
           <a:p>
             <a:fld id="{FBCAE8AE-5189-4069-994C-BD3F2738BBD8}" type="datetimeFigureOut">
               <a:rPr lang="en-GB" smtClean="0"/>
-              <a:t>01/05/2024</a:t>
+              <a:t>06/05/2024</a:t>
             </a:fld>
             <a:endParaRPr lang="en-GB"/>
           </a:p>
@@ -3841,7 +3844,7 @@
           <a:p>
             <a:fld id="{FBCAE8AE-5189-4069-994C-BD3F2738BBD8}" type="datetimeFigureOut">
               <a:rPr lang="en-GB" smtClean="0"/>
-              <a:t>01/05/2024</a:t>
+              <a:t>06/05/2024</a:t>
             </a:fld>
             <a:endParaRPr lang="en-GB"/>
           </a:p>
@@ -4085,7 +4088,7 @@
           <a:p>
             <a:fld id="{FBCAE8AE-5189-4069-994C-BD3F2738BBD8}" type="datetimeFigureOut">
               <a:rPr lang="en-GB" smtClean="0"/>
-              <a:t>01/05/2024</a:t>
+              <a:t>06/05/2024</a:t>
             </a:fld>
             <a:endParaRPr lang="en-GB"/>
           </a:p>
@@ -4321,7 +4324,7 @@
           <a:p>
             <a:fld id="{FBCAE8AE-5189-4069-994C-BD3F2738BBD8}" type="datetimeFigureOut">
               <a:rPr lang="en-GB" smtClean="0"/>
-              <a:t>01/05/2024</a:t>
+              <a:t>06/05/2024</a:t>
             </a:fld>
             <a:endParaRPr lang="en-GB"/>
           </a:p>
@@ -4787,7 +4790,7 @@
           <a:p>
             <a:fld id="{FBCAE8AE-5189-4069-994C-BD3F2738BBD8}" type="datetimeFigureOut">
               <a:rPr lang="en-GB" smtClean="0"/>
-              <a:t>01/05/2024</a:t>
+              <a:t>06/05/2024</a:t>
             </a:fld>
             <a:endParaRPr lang="en-GB"/>
           </a:p>
@@ -4905,7 +4908,7 @@
           <a:p>
             <a:fld id="{FBCAE8AE-5189-4069-994C-BD3F2738BBD8}" type="datetimeFigureOut">
               <a:rPr lang="en-GB" smtClean="0"/>
-              <a:t>01/05/2024</a:t>
+              <a:t>06/05/2024</a:t>
             </a:fld>
             <a:endParaRPr lang="en-GB"/>
           </a:p>
@@ -5000,7 +5003,7 @@
           <a:p>
             <a:fld id="{FBCAE8AE-5189-4069-994C-BD3F2738BBD8}" type="datetimeFigureOut">
               <a:rPr lang="en-GB" smtClean="0"/>
-              <a:t>01/05/2024</a:t>
+              <a:t>06/05/2024</a:t>
             </a:fld>
             <a:endParaRPr lang="en-GB"/>
           </a:p>
@@ -5255,7 +5258,7 @@
           <a:p>
             <a:fld id="{FBCAE8AE-5189-4069-994C-BD3F2738BBD8}" type="datetimeFigureOut">
               <a:rPr lang="en-GB" smtClean="0"/>
-              <a:t>01/05/2024</a:t>
+              <a:t>06/05/2024</a:t>
             </a:fld>
             <a:endParaRPr lang="en-GB"/>
           </a:p>
@@ -5555,7 +5558,7 @@
           <a:p>
             <a:fld id="{FBCAE8AE-5189-4069-994C-BD3F2738BBD8}" type="datetimeFigureOut">
               <a:rPr lang="en-GB" smtClean="0"/>
-              <a:t>01/05/2024</a:t>
+              <a:t>06/05/2024</a:t>
             </a:fld>
             <a:endParaRPr lang="en-GB"/>
           </a:p>
@@ -5789,7 +5792,7 @@
           <a:p>
             <a:fld id="{FBCAE8AE-5189-4069-994C-BD3F2738BBD8}" type="datetimeFigureOut">
               <a:rPr lang="en-GB" smtClean="0"/>
-              <a:t>01/05/2024</a:t>
+              <a:t>06/05/2024</a:t>
             </a:fld>
             <a:endParaRPr lang="en-GB"/>
           </a:p>
@@ -6556,6 +6559,261 @@
 </p:sld>
 </file>
 
+<file path=ppt/slides/slide10.xml><?xml version="1.0" encoding="utf-8"?>
+<p:sld xmlns:a="http://schemas.openxmlformats.org/drawingml/2006/main" xmlns:r="http://schemas.openxmlformats.org/officeDocument/2006/relationships" xmlns:p="http://schemas.openxmlformats.org/presentationml/2006/main">
+  <p:cSld>
+    <p:spTree>
+      <p:nvGrpSpPr>
+        <p:cNvPr id="1" name=""/>
+        <p:cNvGrpSpPr/>
+        <p:nvPr/>
+      </p:nvGrpSpPr>
+      <p:grpSpPr>
+        <a:xfrm>
+          <a:off x="0" y="0"/>
+          <a:ext cx="0" cy="0"/>
+          <a:chOff x="0" y="0"/>
+          <a:chExt cx="0" cy="0"/>
+        </a:xfrm>
+      </p:grpSpPr>
+      <p:sp>
+        <p:nvSpPr>
+          <p:cNvPr id="2" name="标题 1">
+            <a:extLst>
+              <a:ext uri="{FF2B5EF4-FFF2-40B4-BE49-F238E27FC236}">
+                <a16:creationId xmlns:a16="http://schemas.microsoft.com/office/drawing/2014/main" id="{33B0EACB-93FA-DEBA-37A2-2312ADF42A89}"/>
+              </a:ext>
+            </a:extLst>
+          </p:cNvPr>
+          <p:cNvSpPr>
+            <a:spLocks noGrp="1"/>
+          </p:cNvSpPr>
+          <p:nvPr>
+            <p:ph type="title"/>
+          </p:nvPr>
+        </p:nvSpPr>
+        <p:spPr/>
+        <p:txBody>
+          <a:bodyPr/>
+          <a:lstStyle/>
+          <a:p>
+            <a:pPr algn="l"/>
+            <a:r>
+              <a:rPr lang="en-GB" dirty="0"/>
+              <a:t>Database / </a:t>
+            </a:r>
+            <a:r>
+              <a:rPr lang="en-US" altLang="zh-CN" dirty="0"/>
+              <a:t>Orders</a:t>
+            </a:r>
+            <a:endParaRPr lang="en-GB" dirty="0"/>
+          </a:p>
+        </p:txBody>
+      </p:sp>
+      <p:sp>
+        <p:nvSpPr>
+          <p:cNvPr id="3" name="内容占位符 2">
+            <a:extLst>
+              <a:ext uri="{FF2B5EF4-FFF2-40B4-BE49-F238E27FC236}">
+                <a16:creationId xmlns:a16="http://schemas.microsoft.com/office/drawing/2014/main" id="{FB003450-082F-342A-CC70-7A67FB03F327}"/>
+              </a:ext>
+            </a:extLst>
+          </p:cNvPr>
+          <p:cNvSpPr>
+            <a:spLocks noGrp="1"/>
+          </p:cNvSpPr>
+          <p:nvPr>
+            <p:ph idx="1"/>
+          </p:nvPr>
+        </p:nvSpPr>
+        <p:spPr>
+          <a:xfrm>
+            <a:off x="913795" y="1732449"/>
+            <a:ext cx="5620355" cy="4058751"/>
+          </a:xfrm>
+        </p:spPr>
+        <p:txBody>
+          <a:bodyPr/>
+          <a:lstStyle/>
+          <a:p>
+            <a:r>
+              <a:rPr lang="en-GB" altLang="zh-CN" dirty="0"/>
+              <a:t>Just like cart, orders table also have the many-to-many relationship of users and products.</a:t>
+            </a:r>
+          </a:p>
+          <a:p>
+            <a:r>
+              <a:rPr lang="en-GB" altLang="zh-CN" dirty="0"/>
+              <a:t> However, we have some additional information stored, including </a:t>
+            </a:r>
+          </a:p>
+          <a:p>
+            <a:pPr lvl="1"/>
+            <a:r>
+              <a:rPr lang="en-GB" altLang="zh-CN" dirty="0"/>
+              <a:t>user name, </a:t>
+            </a:r>
+          </a:p>
+          <a:p>
+            <a:pPr lvl="1"/>
+            <a:r>
+              <a:rPr lang="en-GB" altLang="zh-CN" dirty="0"/>
+              <a:t>number, </a:t>
+            </a:r>
+          </a:p>
+          <a:p>
+            <a:pPr lvl="1"/>
+            <a:r>
+              <a:rPr lang="en-GB" altLang="zh-CN" dirty="0"/>
+              <a:t>email, </a:t>
+            </a:r>
+          </a:p>
+          <a:p>
+            <a:pPr lvl="1"/>
+            <a:r>
+              <a:rPr lang="en-GB" altLang="zh-CN" dirty="0"/>
+              <a:t>…</a:t>
+            </a:r>
+          </a:p>
+          <a:p>
+            <a:r>
+              <a:rPr lang="en-GB" altLang="zh-CN" dirty="0"/>
+              <a:t>An additional ID is also used to identify each order record.</a:t>
+            </a:r>
+          </a:p>
+        </p:txBody>
+      </p:sp>
+      <p:pic>
+        <p:nvPicPr>
+          <p:cNvPr id="6" name="图片 5" descr="电脑软件截图&#10;&#10;描述已自动生成">
+            <a:extLst>
+              <a:ext uri="{FF2B5EF4-FFF2-40B4-BE49-F238E27FC236}">
+                <a16:creationId xmlns:a16="http://schemas.microsoft.com/office/drawing/2014/main" id="{76BCC211-F925-315F-A60F-8AD1F176D0B0}"/>
+              </a:ext>
+            </a:extLst>
+          </p:cNvPr>
+          <p:cNvPicPr>
+            <a:picLocks noChangeAspect="1"/>
+          </p:cNvPicPr>
+          <p:nvPr/>
+        </p:nvPicPr>
+        <p:blipFill rotWithShape="1">
+          <a:blip r:embed="rId2">
+            <a:extLst>
+              <a:ext uri="{28A0092B-C50C-407E-A947-70E740481C1C}">
+                <a14:useLocalDpi xmlns:a14="http://schemas.microsoft.com/office/drawing/2010/main" val="0"/>
+              </a:ext>
+            </a:extLst>
+          </a:blip>
+          <a:srcRect l="12734" t="45269" r="60547" b="38591"/>
+          <a:stretch/>
+        </p:blipFill>
+        <p:spPr>
+          <a:xfrm>
+            <a:off x="7305675" y="2719861"/>
+            <a:ext cx="4181475" cy="1418278"/>
+          </a:xfrm>
+          <a:prstGeom prst="rect">
+            <a:avLst/>
+          </a:prstGeom>
+        </p:spPr>
+      </p:pic>
+    </p:spTree>
+    <p:extLst>
+      <p:ext uri="{BB962C8B-B14F-4D97-AF65-F5344CB8AC3E}">
+        <p14:creationId xmlns:p14="http://schemas.microsoft.com/office/powerpoint/2010/main" val="629372992"/>
+      </p:ext>
+    </p:extLst>
+  </p:cSld>
+  <p:clrMapOvr>
+    <a:masterClrMapping/>
+  </p:clrMapOvr>
+</p:sld>
+</file>
+
+<file path=ppt/slides/slide11.xml><?xml version="1.0" encoding="utf-8"?>
+<p:sld xmlns:a="http://schemas.openxmlformats.org/drawingml/2006/main" xmlns:r="http://schemas.openxmlformats.org/officeDocument/2006/relationships" xmlns:p="http://schemas.openxmlformats.org/presentationml/2006/main">
+  <p:cSld>
+    <p:spTree>
+      <p:nvGrpSpPr>
+        <p:cNvPr id="1" name=""/>
+        <p:cNvGrpSpPr/>
+        <p:nvPr/>
+      </p:nvGrpSpPr>
+      <p:grpSpPr>
+        <a:xfrm>
+          <a:off x="0" y="0"/>
+          <a:ext cx="0" cy="0"/>
+          <a:chOff x="0" y="0"/>
+          <a:chExt cx="0" cy="0"/>
+        </a:xfrm>
+      </p:grpSpPr>
+      <p:sp>
+        <p:nvSpPr>
+          <p:cNvPr id="2" name="标题 1">
+            <a:extLst>
+              <a:ext uri="{FF2B5EF4-FFF2-40B4-BE49-F238E27FC236}">
+                <a16:creationId xmlns:a16="http://schemas.microsoft.com/office/drawing/2014/main" id="{C509F474-8A57-B2D2-F0BE-8CC2D62B5DEC}"/>
+              </a:ext>
+            </a:extLst>
+          </p:cNvPr>
+          <p:cNvSpPr>
+            <a:spLocks noGrp="1"/>
+          </p:cNvSpPr>
+          <p:nvPr>
+            <p:ph type="title"/>
+          </p:nvPr>
+        </p:nvSpPr>
+        <p:spPr/>
+        <p:txBody>
+          <a:bodyPr/>
+          <a:lstStyle/>
+          <a:p>
+            <a:r>
+              <a:rPr lang="en-GB" dirty="0"/>
+              <a:t>Thanks for Watching!</a:t>
+            </a:r>
+          </a:p>
+        </p:txBody>
+      </p:sp>
+      <p:sp>
+        <p:nvSpPr>
+          <p:cNvPr id="3" name="文本占位符 2">
+            <a:extLst>
+              <a:ext uri="{FF2B5EF4-FFF2-40B4-BE49-F238E27FC236}">
+                <a16:creationId xmlns:a16="http://schemas.microsoft.com/office/drawing/2014/main" id="{C125556F-0CF2-9B40-03E9-D623BD890E85}"/>
+              </a:ext>
+            </a:extLst>
+          </p:cNvPr>
+          <p:cNvSpPr>
+            <a:spLocks noGrp="1"/>
+          </p:cNvSpPr>
+          <p:nvPr>
+            <p:ph type="body" idx="1"/>
+          </p:nvPr>
+        </p:nvSpPr>
+        <p:spPr/>
+        <p:txBody>
+          <a:bodyPr/>
+          <a:lstStyle/>
+          <a:p>
+            <a:endParaRPr lang="en-GB"/>
+          </a:p>
+        </p:txBody>
+      </p:sp>
+    </p:spTree>
+    <p:extLst>
+      <p:ext uri="{BB962C8B-B14F-4D97-AF65-F5344CB8AC3E}">
+        <p14:creationId xmlns:p14="http://schemas.microsoft.com/office/powerpoint/2010/main" val="3766287172"/>
+      </p:ext>
+    </p:extLst>
+  </p:cSld>
+  <p:clrMapOvr>
+    <a:masterClrMapping/>
+  </p:clrMapOvr>
+</p:sld>
+</file>
+
 <file path=ppt/slides/slide2.xml><?xml version="1.0" encoding="utf-8"?>
 <p:sld xmlns:a="http://schemas.openxmlformats.org/drawingml/2006/main" xmlns:r="http://schemas.openxmlformats.org/officeDocument/2006/relationships" xmlns:p="http://schemas.openxmlformats.org/presentationml/2006/main">
   <p:cSld>
@@ -7641,7 +7899,7 @@
           <p:cNvPr id="2" name="标题 1">
             <a:extLst>
               <a:ext uri="{FF2B5EF4-FFF2-40B4-BE49-F238E27FC236}">
-                <a16:creationId xmlns:a16="http://schemas.microsoft.com/office/drawing/2014/main" id="{C509F474-8A57-B2D2-F0BE-8CC2D62B5DEC}"/>
+                <a16:creationId xmlns:a16="http://schemas.microsoft.com/office/drawing/2014/main" id="{33B0EACB-93FA-DEBA-37A2-2312ADF42A89}"/>
               </a:ext>
             </a:extLst>
           </p:cNvPr>
@@ -7657,19 +7915,25 @@
           <a:bodyPr/>
           <a:lstStyle/>
           <a:p>
+            <a:pPr algn="l"/>
             <a:r>
               <a:rPr lang="en-GB" dirty="0"/>
-              <a:t>Thanks for Watching!</a:t>
-            </a:r>
-          </a:p>
-        </p:txBody>
-      </p:sp>
-      <p:sp>
-        <p:nvSpPr>
-          <p:cNvPr id="3" name="文本占位符 2">
+              <a:t>Database / </a:t>
+            </a:r>
+            <a:r>
+              <a:rPr lang="en-US" dirty="0"/>
+              <a:t>Products</a:t>
+            </a:r>
+            <a:endParaRPr lang="en-GB" dirty="0"/>
+          </a:p>
+        </p:txBody>
+      </p:sp>
+      <p:sp>
+        <p:nvSpPr>
+          <p:cNvPr id="3" name="内容占位符 2">
             <a:extLst>
               <a:ext uri="{FF2B5EF4-FFF2-40B4-BE49-F238E27FC236}">
-                <a16:creationId xmlns:a16="http://schemas.microsoft.com/office/drawing/2014/main" id="{C125556F-0CF2-9B40-03E9-D623BD890E85}"/>
+                <a16:creationId xmlns:a16="http://schemas.microsoft.com/office/drawing/2014/main" id="{FB003450-082F-342A-CC70-7A67FB03F327}"/>
               </a:ext>
             </a:extLst>
           </p:cNvPr>
@@ -7677,22 +7941,297 @@
             <a:spLocks noGrp="1"/>
           </p:cNvSpPr>
           <p:nvPr>
-            <p:ph type="body" idx="1"/>
-          </p:nvPr>
-        </p:nvSpPr>
-        <p:spPr/>
+            <p:ph idx="1"/>
+          </p:nvPr>
+        </p:nvSpPr>
+        <p:spPr>
+          <a:xfrm>
+            <a:off x="913795" y="1732449"/>
+            <a:ext cx="5620355" cy="4058751"/>
+          </a:xfrm>
+        </p:spPr>
         <p:txBody>
           <a:bodyPr/>
           <a:lstStyle/>
           <a:p>
-            <a:endParaRPr lang="en-GB"/>
-          </a:p>
-        </p:txBody>
-      </p:sp>
+            <a:r>
+              <a:rPr lang="en-GB" altLang="zh-CN" dirty="0"/>
+              <a:t>The most primary table is products. Product is the core of this database. </a:t>
+            </a:r>
+          </a:p>
+          <a:p>
+            <a:pPr lvl="1"/>
+            <a:r>
+              <a:rPr lang="en-GB" altLang="zh-CN" dirty="0"/>
+              <a:t>Each product is determined by a unique product id, being the primary key of the table. </a:t>
+            </a:r>
+          </a:p>
+          <a:p>
+            <a:pPr lvl="1"/>
+            <a:r>
+              <a:rPr lang="en-GB" altLang="zh-CN" dirty="0"/>
+              <a:t>Other than the product ID, we have product name, product price, and so on. </a:t>
+            </a:r>
+          </a:p>
+          <a:p>
+            <a:pPr lvl="1"/>
+            <a:r>
+              <a:rPr lang="en-GB" altLang="zh-CN" dirty="0"/>
+              <a:t>We also have the product image file name.</a:t>
+            </a:r>
+            <a:endParaRPr lang="en-GB" dirty="0"/>
+          </a:p>
+        </p:txBody>
+      </p:sp>
+      <p:pic>
+        <p:nvPicPr>
+          <p:cNvPr id="6" name="图片 5" descr="图形用户界面, 文本, 应用程序&#10;&#10;描述已自动生成">
+            <a:extLst>
+              <a:ext uri="{FF2B5EF4-FFF2-40B4-BE49-F238E27FC236}">
+                <a16:creationId xmlns:a16="http://schemas.microsoft.com/office/drawing/2014/main" id="{7B781AA8-06FD-3E3D-9D05-136EB64EEA15}"/>
+              </a:ext>
+            </a:extLst>
+          </p:cNvPr>
+          <p:cNvPicPr>
+            <a:picLocks noChangeAspect="1"/>
+          </p:cNvPicPr>
+          <p:nvPr/>
+        </p:nvPicPr>
+        <p:blipFill rotWithShape="1">
+          <a:blip r:embed="rId2">
+            <a:extLst>
+              <a:ext uri="{28A0092B-C50C-407E-A947-70E740481C1C}">
+                <a14:useLocalDpi xmlns:a14="http://schemas.microsoft.com/office/drawing/2010/main" val="0"/>
+              </a:ext>
+            </a:extLst>
+          </a:blip>
+          <a:srcRect l="12754" t="45093" r="54809" b="41834"/>
+          <a:stretch/>
+        </p:blipFill>
+        <p:spPr>
+          <a:xfrm>
+            <a:off x="6851650" y="2863328"/>
+            <a:ext cx="5005388" cy="1131344"/>
+          </a:xfrm>
+          <a:prstGeom prst="rect">
+            <a:avLst/>
+          </a:prstGeom>
+        </p:spPr>
+      </p:pic>
     </p:spTree>
     <p:extLst>
       <p:ext uri="{BB962C8B-B14F-4D97-AF65-F5344CB8AC3E}">
-        <p14:creationId xmlns:p14="http://schemas.microsoft.com/office/powerpoint/2010/main" val="3766287172"/>
+        <p14:creationId xmlns:p14="http://schemas.microsoft.com/office/powerpoint/2010/main" val="3161613860"/>
+      </p:ext>
+    </p:extLst>
+  </p:cSld>
+  <p:clrMapOvr>
+    <a:masterClrMapping/>
+  </p:clrMapOvr>
+</p:sld>
+</file>
+
+<file path=ppt/slides/slide9.xml><?xml version="1.0" encoding="utf-8"?>
+<p:sld xmlns:a="http://schemas.openxmlformats.org/drawingml/2006/main" xmlns:r="http://schemas.openxmlformats.org/officeDocument/2006/relationships" xmlns:p="http://schemas.openxmlformats.org/presentationml/2006/main">
+  <p:cSld>
+    <p:spTree>
+      <p:nvGrpSpPr>
+        <p:cNvPr id="1" name=""/>
+        <p:cNvGrpSpPr/>
+        <p:nvPr/>
+      </p:nvGrpSpPr>
+      <p:grpSpPr>
+        <a:xfrm>
+          <a:off x="0" y="0"/>
+          <a:ext cx="0" cy="0"/>
+          <a:chOff x="0" y="0"/>
+          <a:chExt cx="0" cy="0"/>
+        </a:xfrm>
+      </p:grpSpPr>
+      <p:sp>
+        <p:nvSpPr>
+          <p:cNvPr id="2" name="标题 1">
+            <a:extLst>
+              <a:ext uri="{FF2B5EF4-FFF2-40B4-BE49-F238E27FC236}">
+                <a16:creationId xmlns:a16="http://schemas.microsoft.com/office/drawing/2014/main" id="{33B0EACB-93FA-DEBA-37A2-2312ADF42A89}"/>
+              </a:ext>
+            </a:extLst>
+          </p:cNvPr>
+          <p:cNvSpPr>
+            <a:spLocks noGrp="1"/>
+          </p:cNvSpPr>
+          <p:nvPr>
+            <p:ph type="title"/>
+          </p:nvPr>
+        </p:nvSpPr>
+        <p:spPr/>
+        <p:txBody>
+          <a:bodyPr/>
+          <a:lstStyle/>
+          <a:p>
+            <a:pPr algn="l"/>
+            <a:r>
+              <a:rPr lang="en-GB" dirty="0"/>
+              <a:t>Database / </a:t>
+            </a:r>
+            <a:r>
+              <a:rPr lang="en-US" altLang="zh-CN" dirty="0"/>
+              <a:t>Cart</a:t>
+            </a:r>
+            <a:endParaRPr lang="en-GB" dirty="0"/>
+          </a:p>
+        </p:txBody>
+      </p:sp>
+      <p:sp>
+        <p:nvSpPr>
+          <p:cNvPr id="3" name="内容占位符 2">
+            <a:extLst>
+              <a:ext uri="{FF2B5EF4-FFF2-40B4-BE49-F238E27FC236}">
+                <a16:creationId xmlns:a16="http://schemas.microsoft.com/office/drawing/2014/main" id="{FB003450-082F-342A-CC70-7A67FB03F327}"/>
+              </a:ext>
+            </a:extLst>
+          </p:cNvPr>
+          <p:cNvSpPr>
+            <a:spLocks noGrp="1"/>
+          </p:cNvSpPr>
+          <p:nvPr>
+            <p:ph idx="1"/>
+          </p:nvPr>
+        </p:nvSpPr>
+        <p:spPr>
+          <a:xfrm>
+            <a:off x="913795" y="1732449"/>
+            <a:ext cx="5620355" cy="4058751"/>
+          </a:xfrm>
+        </p:spPr>
+        <p:txBody>
+          <a:bodyPr/>
+          <a:lstStyle/>
+          <a:p>
+            <a:r>
+              <a:rPr lang="en-GB" altLang="zh-CN" dirty="0"/>
+              <a:t>In the cart table, we only need to specify which product is put into which user. </a:t>
+            </a:r>
+          </a:p>
+          <a:p>
+            <a:pPr lvl="1"/>
+            <a:r>
+              <a:rPr lang="en-GB" altLang="zh-CN" dirty="0"/>
+              <a:t>A product can be put into the cart by multiple users, </a:t>
+            </a:r>
+          </a:p>
+          <a:p>
+            <a:pPr lvl="1"/>
+            <a:r>
+              <a:rPr lang="en-GB" altLang="zh-CN" dirty="0"/>
+              <a:t>A user can put multiple products into the cart. </a:t>
+            </a:r>
+          </a:p>
+          <a:p>
+            <a:pPr lvl="1"/>
+            <a:r>
+              <a:rPr lang="en-GB" altLang="zh-CN" dirty="0"/>
+              <a:t>Therefore, it is better to use another primary key, the id, to identify each row.</a:t>
+            </a:r>
+            <a:endParaRPr lang="en-GB" dirty="0"/>
+          </a:p>
+        </p:txBody>
+      </p:sp>
+      <p:grpSp>
+        <p:nvGrpSpPr>
+          <p:cNvPr id="8" name="组合 7">
+            <a:extLst>
+              <a:ext uri="{FF2B5EF4-FFF2-40B4-BE49-F238E27FC236}">
+                <a16:creationId xmlns:a16="http://schemas.microsoft.com/office/drawing/2014/main" id="{73802EB2-8202-AC7D-7740-C3654A4FD2F2}"/>
+              </a:ext>
+            </a:extLst>
+          </p:cNvPr>
+          <p:cNvGrpSpPr/>
+          <p:nvPr/>
+        </p:nvGrpSpPr>
+        <p:grpSpPr>
+          <a:xfrm>
+            <a:off x="7076610" y="2676564"/>
+            <a:ext cx="4442289" cy="1504871"/>
+            <a:chOff x="7076610" y="1955697"/>
+            <a:chExt cx="4442289" cy="1504871"/>
+          </a:xfrm>
+        </p:grpSpPr>
+        <p:pic>
+          <p:nvPicPr>
+            <p:cNvPr id="5" name="图片 4" descr="电脑软件截图&#10;&#10;描述已自动生成">
+              <a:extLst>
+                <a:ext uri="{FF2B5EF4-FFF2-40B4-BE49-F238E27FC236}">
+                  <a16:creationId xmlns:a16="http://schemas.microsoft.com/office/drawing/2014/main" id="{46DC7C37-DDAA-5E08-9C17-28934A0070BA}"/>
+                </a:ext>
+              </a:extLst>
+            </p:cNvPr>
+            <p:cNvPicPr>
+              <a:picLocks noChangeAspect="1"/>
+            </p:cNvPicPr>
+            <p:nvPr/>
+          </p:nvPicPr>
+          <p:blipFill rotWithShape="1">
+            <a:blip r:embed="rId2">
+              <a:extLst>
+                <a:ext uri="{28A0092B-C50C-407E-A947-70E740481C1C}">
+                  <a14:useLocalDpi xmlns:a14="http://schemas.microsoft.com/office/drawing/2010/main" val="0"/>
+                </a:ext>
+              </a:extLst>
+            </a:blip>
+            <a:srcRect l="12891" t="45414" r="51526" b="44858"/>
+            <a:stretch/>
+          </p:blipFill>
+          <p:spPr>
+            <a:xfrm>
+              <a:off x="7076610" y="1955697"/>
+              <a:ext cx="4442289" cy="682728"/>
+            </a:xfrm>
+            <a:prstGeom prst="rect">
+              <a:avLst/>
+            </a:prstGeom>
+          </p:spPr>
+        </p:pic>
+        <p:pic>
+          <p:nvPicPr>
+            <p:cNvPr id="7" name="图片 6" descr="电脑软件截图&#10;&#10;描述已自动生成">
+              <a:extLst>
+                <a:ext uri="{FF2B5EF4-FFF2-40B4-BE49-F238E27FC236}">
+                  <a16:creationId xmlns:a16="http://schemas.microsoft.com/office/drawing/2014/main" id="{2C9B1C91-6786-792B-1D5C-E46E978E991D}"/>
+                </a:ext>
+              </a:extLst>
+            </p:cNvPr>
+            <p:cNvPicPr>
+              <a:picLocks noChangeAspect="1"/>
+            </p:cNvPicPr>
+            <p:nvPr/>
+          </p:nvPicPr>
+          <p:blipFill rotWithShape="1">
+            <a:blip r:embed="rId2">
+              <a:extLst>
+                <a:ext uri="{28A0092B-C50C-407E-A947-70E740481C1C}">
+                  <a14:useLocalDpi xmlns:a14="http://schemas.microsoft.com/office/drawing/2010/main" val="0"/>
+                </a:ext>
+              </a:extLst>
+            </a:blip>
+            <a:srcRect l="49108" t="45414" r="4609" b="44858"/>
+            <a:stretch/>
+          </p:blipFill>
+          <p:spPr>
+            <a:xfrm>
+              <a:off x="7076610" y="2935672"/>
+              <a:ext cx="4442289" cy="524896"/>
+            </a:xfrm>
+            <a:prstGeom prst="rect">
+              <a:avLst/>
+            </a:prstGeom>
+          </p:spPr>
+        </p:pic>
+      </p:grpSp>
+    </p:spTree>
+    <p:extLst>
+      <p:ext uri="{BB962C8B-B14F-4D97-AF65-F5344CB8AC3E}">
+        <p14:creationId xmlns:p14="http://schemas.microsoft.com/office/powerpoint/2010/main" val="655707046"/>
       </p:ext>
     </p:extLst>
   </p:cSld>
